--- a/Language Translation using LSTM.pptx
+++ b/Language Translation using LSTM.pptx
@@ -14617,8 +14617,11 @@
             </a:pPr>
             <a:r>
               <a:rPr lang="en-GB" dirty="0"/>
-              <a:t>Language Translation using LSTM Algorithm</a:t>
+              <a:t>Language Translation using AI/ML</a:t>
             </a:r>
+            <a:br>
+              <a:rPr lang="en-GB" dirty="0"/>
+            </a:br>
             <a:endParaRPr dirty="0"/>
           </a:p>
         </p:txBody>
